--- a/docs/Tutorial.pptx
+++ b/docs/Tutorial.pptx
@@ -5,17 +5,19 @@
     <p:sldMasterId id="2147483648" r:id="rId1"/>
   </p:sldMasterIdLst>
   <p:notesMasterIdLst>
-    <p:notesMasterId r:id="rId10"/>
+    <p:notesMasterId r:id="rId12"/>
   </p:notesMasterIdLst>
   <p:sldIdLst>
     <p:sldId id="257" r:id="rId2"/>
     <p:sldId id="259" r:id="rId3"/>
     <p:sldId id="258" r:id="rId4"/>
     <p:sldId id="260" r:id="rId5"/>
-    <p:sldId id="261" r:id="rId6"/>
-    <p:sldId id="262" r:id="rId7"/>
-    <p:sldId id="264" r:id="rId8"/>
-    <p:sldId id="263" r:id="rId9"/>
+    <p:sldId id="265" r:id="rId6"/>
+    <p:sldId id="266" r:id="rId7"/>
+    <p:sldId id="261" r:id="rId8"/>
+    <p:sldId id="262" r:id="rId9"/>
+    <p:sldId id="264" r:id="rId10"/>
+    <p:sldId id="263" r:id="rId11"/>
   </p:sldIdLst>
   <p:sldSz cx="12192000" cy="6858000"/>
   <p:notesSz cx="6858000" cy="9144000"/>
@@ -204,7 +206,7 @@
           <a:p>
             <a:fld id="{B9A4B189-FEC5-452A-8559-21EE47437F2A}" type="datetimeFigureOut">
               <a:rPr lang="en-CA" smtClean="0"/>
-              <a:t>2023-01-19</a:t>
+              <a:t>2023-01-26</a:t>
             </a:fld>
             <a:endParaRPr lang="en-CA"/>
           </a:p>
@@ -705,7 +707,7 @@
           <a:p>
             <a:fld id="{0AAB8156-D5BD-4184-8E37-B3C1F156E597}" type="slidenum">
               <a:rPr lang="en-CA" smtClean="0"/>
-              <a:t>5</a:t>
+              <a:t>7</a:t>
             </a:fld>
             <a:endParaRPr lang="en-CA"/>
           </a:p>
@@ -789,7 +791,7 @@
           <a:p>
             <a:fld id="{0AAB8156-D5BD-4184-8E37-B3C1F156E597}" type="slidenum">
               <a:rPr lang="en-CA" smtClean="0"/>
-              <a:t>6</a:t>
+              <a:t>8</a:t>
             </a:fld>
             <a:endParaRPr lang="en-CA"/>
           </a:p>
@@ -873,7 +875,7 @@
           <a:p>
             <a:fld id="{0AAB8156-D5BD-4184-8E37-B3C1F156E597}" type="slidenum">
               <a:rPr lang="en-CA" smtClean="0"/>
-              <a:t>7</a:t>
+              <a:t>9</a:t>
             </a:fld>
             <a:endParaRPr lang="en-CA"/>
           </a:p>
@@ -957,7 +959,7 @@
           <a:p>
             <a:fld id="{0AAB8156-D5BD-4184-8E37-B3C1F156E597}" type="slidenum">
               <a:rPr lang="en-CA" smtClean="0"/>
-              <a:t>8</a:t>
+              <a:t>10</a:t>
             </a:fld>
             <a:endParaRPr lang="en-CA"/>
           </a:p>
@@ -1125,7 +1127,7 @@
           <a:p>
             <a:fld id="{48F471BC-FB92-402C-BBA3-A5414AAE285D}" type="datetimeFigureOut">
               <a:rPr lang="en-CA" smtClean="0"/>
-              <a:t>2023-01-19</a:t>
+              <a:t>2023-01-26</a:t>
             </a:fld>
             <a:endParaRPr lang="en-CA"/>
           </a:p>
@@ -1325,7 +1327,7 @@
           <a:p>
             <a:fld id="{48F471BC-FB92-402C-BBA3-A5414AAE285D}" type="datetimeFigureOut">
               <a:rPr lang="en-CA" smtClean="0"/>
-              <a:t>2023-01-19</a:t>
+              <a:t>2023-01-26</a:t>
             </a:fld>
             <a:endParaRPr lang="en-CA"/>
           </a:p>
@@ -1535,7 +1537,7 @@
           <a:p>
             <a:fld id="{48F471BC-FB92-402C-BBA3-A5414AAE285D}" type="datetimeFigureOut">
               <a:rPr lang="en-CA" smtClean="0"/>
-              <a:t>2023-01-19</a:t>
+              <a:t>2023-01-26</a:t>
             </a:fld>
             <a:endParaRPr lang="en-CA"/>
           </a:p>
@@ -1735,7 +1737,7 @@
           <a:p>
             <a:fld id="{48F471BC-FB92-402C-BBA3-A5414AAE285D}" type="datetimeFigureOut">
               <a:rPr lang="en-CA" smtClean="0"/>
-              <a:t>2023-01-19</a:t>
+              <a:t>2023-01-26</a:t>
             </a:fld>
             <a:endParaRPr lang="en-CA"/>
           </a:p>
@@ -2011,7 +2013,7 @@
           <a:p>
             <a:fld id="{48F471BC-FB92-402C-BBA3-A5414AAE285D}" type="datetimeFigureOut">
               <a:rPr lang="en-CA" smtClean="0"/>
-              <a:t>2023-01-19</a:t>
+              <a:t>2023-01-26</a:t>
             </a:fld>
             <a:endParaRPr lang="en-CA"/>
           </a:p>
@@ -2279,7 +2281,7 @@
           <a:p>
             <a:fld id="{48F471BC-FB92-402C-BBA3-A5414AAE285D}" type="datetimeFigureOut">
               <a:rPr lang="en-CA" smtClean="0"/>
-              <a:t>2023-01-19</a:t>
+              <a:t>2023-01-26</a:t>
             </a:fld>
             <a:endParaRPr lang="en-CA"/>
           </a:p>
@@ -2694,7 +2696,7 @@
           <a:p>
             <a:fld id="{48F471BC-FB92-402C-BBA3-A5414AAE285D}" type="datetimeFigureOut">
               <a:rPr lang="en-CA" smtClean="0"/>
-              <a:t>2023-01-19</a:t>
+              <a:t>2023-01-26</a:t>
             </a:fld>
             <a:endParaRPr lang="en-CA"/>
           </a:p>
@@ -2836,7 +2838,7 @@
           <a:p>
             <a:fld id="{48F471BC-FB92-402C-BBA3-A5414AAE285D}" type="datetimeFigureOut">
               <a:rPr lang="en-CA" smtClean="0"/>
-              <a:t>2023-01-19</a:t>
+              <a:t>2023-01-26</a:t>
             </a:fld>
             <a:endParaRPr lang="en-CA"/>
           </a:p>
@@ -2949,7 +2951,7 @@
           <a:p>
             <a:fld id="{48F471BC-FB92-402C-BBA3-A5414AAE285D}" type="datetimeFigureOut">
               <a:rPr lang="en-CA" smtClean="0"/>
-              <a:t>2023-01-19</a:t>
+              <a:t>2023-01-26</a:t>
             </a:fld>
             <a:endParaRPr lang="en-CA"/>
           </a:p>
@@ -3262,7 +3264,7 @@
           <a:p>
             <a:fld id="{48F471BC-FB92-402C-BBA3-A5414AAE285D}" type="datetimeFigureOut">
               <a:rPr lang="en-CA" smtClean="0"/>
-              <a:t>2023-01-19</a:t>
+              <a:t>2023-01-26</a:t>
             </a:fld>
             <a:endParaRPr lang="en-CA"/>
           </a:p>
@@ -3551,7 +3553,7 @@
           <a:p>
             <a:fld id="{48F471BC-FB92-402C-BBA3-A5414AAE285D}" type="datetimeFigureOut">
               <a:rPr lang="en-CA" smtClean="0"/>
-              <a:t>2023-01-19</a:t>
+              <a:t>2023-01-26</a:t>
             </a:fld>
             <a:endParaRPr lang="en-CA"/>
           </a:p>
@@ -3794,7 +3796,7 @@
           <a:p>
             <a:fld id="{48F471BC-FB92-402C-BBA3-A5414AAE285D}" type="datetimeFigureOut">
               <a:rPr lang="en-CA" smtClean="0"/>
-              <a:t>2023-01-19</a:t>
+              <a:t>2023-01-26</a:t>
             </a:fld>
             <a:endParaRPr lang="en-CA"/>
           </a:p>
@@ -4638,6 +4640,141 @@
 </p:sld>
 </file>
 
+<file path=ppt/slides/slide10.xml><?xml version="1.0" encoding="utf-8"?>
+<p:sld xmlns:a="http://schemas.openxmlformats.org/drawingml/2006/main" xmlns:r="http://schemas.openxmlformats.org/officeDocument/2006/relationships" xmlns:p="http://schemas.openxmlformats.org/presentationml/2006/main">
+  <p:cSld>
+    <p:spTree>
+      <p:nvGrpSpPr>
+        <p:cNvPr id="1" name=""/>
+        <p:cNvGrpSpPr/>
+        <p:nvPr/>
+      </p:nvGrpSpPr>
+      <p:grpSpPr>
+        <a:xfrm>
+          <a:off x="0" y="0"/>
+          <a:ext cx="0" cy="0"/>
+          <a:chOff x="0" y="0"/>
+          <a:chExt cx="0" cy="0"/>
+        </a:xfrm>
+      </p:grpSpPr>
+      <p:sp>
+        <p:nvSpPr>
+          <p:cNvPr id="2" name="Title 1">
+            <a:extLst>
+              <a:ext uri="{FF2B5EF4-FFF2-40B4-BE49-F238E27FC236}">
+                <a16:creationId xmlns:a16="http://schemas.microsoft.com/office/drawing/2014/main" id="{7267BDE2-FD0B-4CA2-8845-6B1F2921AE24}"/>
+              </a:ext>
+            </a:extLst>
+          </p:cNvPr>
+          <p:cNvSpPr>
+            <a:spLocks noGrp="1"/>
+          </p:cNvSpPr>
+          <p:nvPr>
+            <p:ph type="title"/>
+          </p:nvPr>
+        </p:nvSpPr>
+        <p:spPr/>
+        <p:txBody>
+          <a:bodyPr/>
+          <a:lstStyle/>
+          <a:p>
+            <a:r>
+              <a:rPr lang="en-US" dirty="0"/>
+              <a:t>Code Review</a:t>
+            </a:r>
+            <a:endParaRPr lang="en-CA" dirty="0"/>
+          </a:p>
+        </p:txBody>
+      </p:sp>
+      <p:sp>
+        <p:nvSpPr>
+          <p:cNvPr id="3" name="Content Placeholder 2">
+            <a:extLst>
+              <a:ext uri="{FF2B5EF4-FFF2-40B4-BE49-F238E27FC236}">
+                <a16:creationId xmlns:a16="http://schemas.microsoft.com/office/drawing/2014/main" id="{1ECC68C4-44BB-481E-B65C-33DCA37529FB}"/>
+              </a:ext>
+            </a:extLst>
+          </p:cNvPr>
+          <p:cNvSpPr>
+            <a:spLocks noGrp="1"/>
+          </p:cNvSpPr>
+          <p:nvPr>
+            <p:ph idx="1"/>
+          </p:nvPr>
+        </p:nvSpPr>
+        <p:spPr>
+          <a:xfrm>
+            <a:off x="838200" y="1401878"/>
+            <a:ext cx="10515600" cy="4351338"/>
+          </a:xfrm>
+        </p:spPr>
+        <p:txBody>
+          <a:bodyPr/>
+          <a:lstStyle/>
+          <a:p>
+            <a:r>
+              <a:rPr lang="en-US" dirty="0"/>
+              <a:t>A software quality assurance activity in which one or several people check a program mainly by viewing and reading parts of its source code</a:t>
+            </a:r>
+          </a:p>
+          <a:p>
+            <a:r>
+              <a:rPr lang="en-US" dirty="0"/>
+              <a:t>Share knowledge and teach each other to upgrade skills</a:t>
+            </a:r>
+            <a:endParaRPr lang="en-CA" dirty="0"/>
+          </a:p>
+          <a:p>
+            <a:endParaRPr lang="en-US" dirty="0"/>
+          </a:p>
+          <a:p>
+            <a:endParaRPr lang="en-US" dirty="0"/>
+          </a:p>
+          <a:p>
+            <a:pPr marL="514350" indent="-514350">
+              <a:buFont typeface="+mj-lt"/>
+              <a:buAutoNum type="arabicPeriod"/>
+            </a:pPr>
+            <a:r>
+              <a:rPr lang="en-US" dirty="0"/>
+              <a:t>Clean Code: check readability</a:t>
+            </a:r>
+          </a:p>
+          <a:p>
+            <a:pPr marL="514350" indent="-514350">
+              <a:buFont typeface="+mj-lt"/>
+              <a:buAutoNum type="arabicPeriod"/>
+            </a:pPr>
+            <a:r>
+              <a:rPr lang="en-US" dirty="0"/>
+              <a:t>Possible Optimizations: check if there’s any duplicated code or bugs</a:t>
+            </a:r>
+          </a:p>
+          <a:p>
+            <a:pPr marL="514350" indent="-514350">
+              <a:buFont typeface="+mj-lt"/>
+              <a:buAutoNum type="arabicPeriod"/>
+            </a:pPr>
+            <a:r>
+              <a:rPr lang="en-US" dirty="0"/>
+              <a:t>Keep in track with the requirements</a:t>
+            </a:r>
+          </a:p>
+        </p:txBody>
+      </p:sp>
+    </p:spTree>
+    <p:extLst>
+      <p:ext uri="{BB962C8B-B14F-4D97-AF65-F5344CB8AC3E}">
+        <p14:creationId xmlns:p14="http://schemas.microsoft.com/office/powerpoint/2010/main" val="3496519291"/>
+      </p:ext>
+    </p:extLst>
+  </p:cSld>
+  <p:clrMapOvr>
+    <a:masterClrMapping/>
+  </p:clrMapOvr>
+</p:sld>
+</file>
+
 <file path=ppt/slides/slide2.xml><?xml version="1.0" encoding="utf-8"?>
 <p:sld xmlns:a="http://schemas.openxmlformats.org/drawingml/2006/main" xmlns:r="http://schemas.openxmlformats.org/officeDocument/2006/relationships" xmlns:p="http://schemas.openxmlformats.org/presentationml/2006/main">
   <p:cSld>
@@ -6999,81 +7136,12 @@
           <a:chExt cx="0" cy="0"/>
         </a:xfrm>
       </p:grpSpPr>
-      <p:sp>
-        <p:nvSpPr>
-          <p:cNvPr id="2" name="Title 1">
-            <a:extLst>
-              <a:ext uri="{FF2B5EF4-FFF2-40B4-BE49-F238E27FC236}">
-                <a16:creationId xmlns:a16="http://schemas.microsoft.com/office/drawing/2014/main" id="{7267BDE2-FD0B-4CA2-8845-6B1F2921AE24}"/>
-              </a:ext>
-            </a:extLst>
-          </p:cNvPr>
-          <p:cNvSpPr>
-            <a:spLocks noGrp="1"/>
-          </p:cNvSpPr>
-          <p:nvPr>
-            <p:ph type="title"/>
-          </p:nvPr>
-        </p:nvSpPr>
-        <p:spPr/>
-        <p:txBody>
-          <a:bodyPr/>
-          <a:lstStyle/>
-          <a:p>
-            <a:r>
-              <a:rPr lang="en-US" dirty="0"/>
-              <a:t>Clean Code</a:t>
-            </a:r>
-            <a:endParaRPr lang="en-CA" dirty="0"/>
-          </a:p>
-        </p:txBody>
-      </p:sp>
-      <p:sp>
-        <p:nvSpPr>
-          <p:cNvPr id="3" name="Content Placeholder 2">
-            <a:extLst>
-              <a:ext uri="{FF2B5EF4-FFF2-40B4-BE49-F238E27FC236}">
-                <a16:creationId xmlns:a16="http://schemas.microsoft.com/office/drawing/2014/main" id="{1ECC68C4-44BB-481E-B65C-33DCA37529FB}"/>
-              </a:ext>
-            </a:extLst>
-          </p:cNvPr>
-          <p:cNvSpPr>
-            <a:spLocks noGrp="1"/>
-          </p:cNvSpPr>
-          <p:nvPr>
-            <p:ph idx="1"/>
-          </p:nvPr>
-        </p:nvSpPr>
-        <p:spPr>
-          <a:xfrm>
-            <a:off x="838200" y="1401878"/>
-            <a:ext cx="10515600" cy="4351338"/>
-          </a:xfrm>
-        </p:spPr>
-        <p:txBody>
-          <a:bodyPr/>
-          <a:lstStyle/>
-          <a:p>
-            <a:r>
-              <a:rPr lang="en-US" dirty="0"/>
-              <a:t>Making code readable so that even a 5-year-old child can understand.</a:t>
-            </a:r>
-          </a:p>
-          <a:p>
-            <a:r>
-              <a:rPr lang="en-US" dirty="0"/>
-              <a:t>To reduce the time to understand the code for teammates and future me.</a:t>
-            </a:r>
-            <a:endParaRPr lang="en-CA" dirty="0"/>
-          </a:p>
-        </p:txBody>
-      </p:sp>
       <p:pic>
         <p:nvPicPr>
-          <p:cNvPr id="6" name="Picture 5" descr="Text&#10;&#10;Description automatically generated">
-            <a:extLst>
-              <a:ext uri="{FF2B5EF4-FFF2-40B4-BE49-F238E27FC236}">
-                <a16:creationId xmlns:a16="http://schemas.microsoft.com/office/drawing/2014/main" id="{BDC7DD0A-169B-4C4D-8F5E-CE68C0C77814}"/>
+          <p:cNvPr id="4" name="Picture 3">
+            <a:extLst>
+              <a:ext uri="{FF2B5EF4-FFF2-40B4-BE49-F238E27FC236}">
+                <a16:creationId xmlns:a16="http://schemas.microsoft.com/office/drawing/2014/main" id="{841B49F1-DD85-4A73-BC26-4E1B2F6BDD6D}"/>
               </a:ext>
             </a:extLst>
           </p:cNvPr>
@@ -7083,113 +7151,112 @@
           <p:nvPr/>
         </p:nvPicPr>
         <p:blipFill>
-          <a:blip r:embed="rId3">
+          <a:blip r:embed="rId2" cstate="print">
             <a:extLst>
               <a:ext uri="{28A0092B-C50C-407E-A947-70E740481C1C}">
                 <a14:useLocalDpi xmlns:a14="http://schemas.microsoft.com/office/drawing/2010/main" val="0"/>
               </a:ext>
             </a:extLst>
           </a:blip>
+          <a:srcRect/>
           <a:stretch>
             <a:fillRect/>
           </a:stretch>
         </p:blipFill>
-        <p:spPr>
+        <p:spPr bwMode="auto">
           <a:xfrm>
-            <a:off x="459379" y="3030583"/>
-            <a:ext cx="4809310" cy="3462292"/>
+            <a:off x="3147740" y="61700"/>
+            <a:ext cx="5474605" cy="3078844"/>
           </a:xfrm>
           <a:prstGeom prst="rect">
             <a:avLst/>
           </a:prstGeom>
+          <a:noFill/>
+          <a:ln>
+            <a:noFill/>
+          </a:ln>
         </p:spPr>
       </p:pic>
-      <p:pic>
-        <p:nvPicPr>
-          <p:cNvPr id="23" name="Picture 22" descr="A person reading a book&#10;&#10;Description automatically generated with medium confidence">
-            <a:extLst>
-              <a:ext uri="{FF2B5EF4-FFF2-40B4-BE49-F238E27FC236}">
-                <a16:creationId xmlns:a16="http://schemas.microsoft.com/office/drawing/2014/main" id="{234976B3-F0B4-4283-9AC0-6627CDE0165A}"/>
-              </a:ext>
-            </a:extLst>
-          </p:cNvPr>
-          <p:cNvPicPr>
-            <a:picLocks noChangeAspect="1"/>
-          </p:cNvPicPr>
+      <p:sp>
+        <p:nvSpPr>
+          <p:cNvPr id="5" name="TextBox 4">
+            <a:extLst>
+              <a:ext uri="{FF2B5EF4-FFF2-40B4-BE49-F238E27FC236}">
+                <a16:creationId xmlns:a16="http://schemas.microsoft.com/office/drawing/2014/main" id="{0ADEC7F9-8EE4-415C-B9F1-8B166FA30132}"/>
+              </a:ext>
+            </a:extLst>
+          </p:cNvPr>
+          <p:cNvSpPr txBox="1"/>
           <p:nvPr/>
-        </p:nvPicPr>
-        <p:blipFill>
-          <a:blip r:embed="rId4">
-            <a:extLst>
-              <a:ext uri="{28A0092B-C50C-407E-A947-70E740481C1C}">
-                <a14:useLocalDpi xmlns:a14="http://schemas.microsoft.com/office/drawing/2010/main" val="0"/>
-              </a:ext>
-            </a:extLst>
-          </a:blip>
-          <a:stretch>
-            <a:fillRect/>
-          </a:stretch>
-        </p:blipFill>
+        </p:nvSpPr>
         <p:spPr>
           <a:xfrm>
-            <a:off x="6923313" y="3030583"/>
-            <a:ext cx="5055555" cy="3462292"/>
+            <a:off x="422820" y="3286382"/>
+            <a:ext cx="11346359" cy="3293209"/>
           </a:xfrm>
           <a:prstGeom prst="rect">
             <a:avLst/>
           </a:prstGeom>
+          <a:noFill/>
         </p:spPr>
-      </p:pic>
-      <p:sp>
-        <p:nvSpPr>
-          <p:cNvPr id="24" name="Arrow: Right 23">
-            <a:extLst>
-              <a:ext uri="{FF2B5EF4-FFF2-40B4-BE49-F238E27FC236}">
-                <a16:creationId xmlns:a16="http://schemas.microsoft.com/office/drawing/2014/main" id="{B9FDDF38-D2B3-493B-96B8-318FEF76CCF7}"/>
-              </a:ext>
-            </a:extLst>
-          </p:cNvPr>
-          <p:cNvSpPr/>
-          <p:nvPr/>
-        </p:nvSpPr>
-        <p:spPr>
-          <a:xfrm>
-            <a:off x="5599460" y="4488524"/>
-            <a:ext cx="993080" cy="546410"/>
-          </a:xfrm>
-          <a:prstGeom prst="rightArrow">
-            <a:avLst/>
-          </a:prstGeom>
-        </p:spPr>
-        <p:style>
-          <a:lnRef idx="2">
-            <a:schemeClr val="accent1">
-              <a:shade val="50000"/>
-            </a:schemeClr>
-          </a:lnRef>
-          <a:fillRef idx="1">
-            <a:schemeClr val="accent1"/>
-          </a:fillRef>
-          <a:effectRef idx="0">
-            <a:schemeClr val="accent1"/>
-          </a:effectRef>
-          <a:fontRef idx="minor">
-            <a:schemeClr val="lt1"/>
-          </a:fontRef>
-        </p:style>
-        <p:txBody>
-          <a:bodyPr rtlCol="0" anchor="ctr"/>
-          <a:lstStyle/>
-          <a:p>
-            <a:pPr algn="ctr"/>
-            <a:endParaRPr lang="en-CA"/>
+        <p:txBody>
+          <a:bodyPr wrap="square" rtlCol="0">
+            <a:spAutoFit/>
+          </a:bodyPr>
+          <a:lstStyle/>
+          <a:p>
+            <a:r>
+              <a:rPr lang="en-US" sz="2800" b="1" dirty="0"/>
+              <a:t>Python Method Chaining</a:t>
+            </a:r>
+          </a:p>
+          <a:p>
+            <a:endParaRPr lang="en-US" sz="2000" dirty="0"/>
+          </a:p>
+          <a:p>
+            <a:r>
+              <a:rPr lang="en-US" sz="2000" dirty="0"/>
+              <a:t>Method chaining is a style of programming in which invoking multiple method calls occurs sequentially. It removes the pain of assigning variables at each intermediate step as each call performs action on same object and then returns the object to next call.</a:t>
+            </a:r>
+          </a:p>
+          <a:p>
+            <a:endParaRPr lang="en-US" sz="2000" dirty="0"/>
+          </a:p>
+          <a:p>
+            <a:r>
+              <a:rPr lang="en-US" sz="2000" dirty="0"/>
+              <a:t>Method chaining has two useful benefits </a:t>
+            </a:r>
+          </a:p>
+          <a:p>
+            <a:pPr marL="457200" indent="-457200">
+              <a:buFont typeface="+mj-lt"/>
+              <a:buAutoNum type="arabicPeriod"/>
+            </a:pPr>
+            <a:r>
+              <a:rPr lang="en-US" sz="2000" dirty="0"/>
+              <a:t>It can reduce the length of the overall code as countless variables do not have to be created.</a:t>
+            </a:r>
+          </a:p>
+          <a:p>
+            <a:pPr marL="457200" indent="-457200">
+              <a:buFont typeface="+mj-lt"/>
+              <a:buAutoNum type="arabicPeriod"/>
+            </a:pPr>
+            <a:r>
+              <a:rPr lang="en-US" sz="2000" dirty="0"/>
+              <a:t>It can increase the readability of the code since methods are invoked sequentially.</a:t>
+            </a:r>
+          </a:p>
+          <a:p>
+            <a:endParaRPr lang="en-CA" sz="2000" dirty="0"/>
           </a:p>
         </p:txBody>
       </p:sp>
     </p:spTree>
     <p:extLst>
       <p:ext uri="{BB962C8B-B14F-4D97-AF65-F5344CB8AC3E}">
-        <p14:creationId xmlns:p14="http://schemas.microsoft.com/office/powerpoint/2010/main" val="3160718365"/>
+        <p14:creationId xmlns:p14="http://schemas.microsoft.com/office/powerpoint/2010/main" val="2585667169"/>
       </p:ext>
     </p:extLst>
   </p:cSld>
@@ -7216,417 +7283,51 @@
           <a:chExt cx="0" cy="0"/>
         </a:xfrm>
       </p:grpSpPr>
-      <p:sp>
-        <p:nvSpPr>
-          <p:cNvPr id="2" name="Title 1">
-            <a:extLst>
-              <a:ext uri="{FF2B5EF4-FFF2-40B4-BE49-F238E27FC236}">
-                <a16:creationId xmlns:a16="http://schemas.microsoft.com/office/drawing/2014/main" id="{7267BDE2-FD0B-4CA2-8845-6B1F2921AE24}"/>
-              </a:ext>
-            </a:extLst>
-          </p:cNvPr>
-          <p:cNvSpPr>
-            <a:spLocks noGrp="1"/>
-          </p:cNvSpPr>
-          <p:nvPr>
-            <p:ph type="title"/>
-          </p:nvPr>
-        </p:nvSpPr>
-        <p:spPr/>
-        <p:txBody>
-          <a:bodyPr/>
-          <a:lstStyle/>
-          <a:p>
-            <a:r>
-              <a:rPr lang="en-US" dirty="0"/>
-              <a:t>Clean Code Technique</a:t>
-            </a:r>
-            <a:endParaRPr lang="en-CA" dirty="0"/>
-          </a:p>
-        </p:txBody>
-      </p:sp>
-      <p:sp>
-        <p:nvSpPr>
-          <p:cNvPr id="3" name="Content Placeholder 2">
-            <a:extLst>
-              <a:ext uri="{FF2B5EF4-FFF2-40B4-BE49-F238E27FC236}">
-                <a16:creationId xmlns:a16="http://schemas.microsoft.com/office/drawing/2014/main" id="{1ECC68C4-44BB-481E-B65C-33DCA37529FB}"/>
-              </a:ext>
-            </a:extLst>
-          </p:cNvPr>
-          <p:cNvSpPr>
-            <a:spLocks noGrp="1"/>
-          </p:cNvSpPr>
-          <p:nvPr>
-            <p:ph idx="1"/>
-          </p:nvPr>
-        </p:nvSpPr>
-        <p:spPr>
+      <p:pic>
+        <p:nvPicPr>
+          <p:cNvPr id="6" name="Picture 5">
+            <a:extLst>
+              <a:ext uri="{FF2B5EF4-FFF2-40B4-BE49-F238E27FC236}">
+                <a16:creationId xmlns:a16="http://schemas.microsoft.com/office/drawing/2014/main" id="{EA744B9A-53C6-4DDE-B47D-A1757923350A}"/>
+              </a:ext>
+            </a:extLst>
+          </p:cNvPr>
+          <p:cNvPicPr>
+            <a:picLocks noChangeAspect="1"/>
+          </p:cNvPicPr>
+          <p:nvPr/>
+        </p:nvPicPr>
+        <p:blipFill>
+          <a:blip r:embed="rId2">
+            <a:extLst>
+              <a:ext uri="{28A0092B-C50C-407E-A947-70E740481C1C}">
+                <a14:useLocalDpi xmlns:a14="http://schemas.microsoft.com/office/drawing/2010/main" val="0"/>
+              </a:ext>
+            </a:extLst>
+          </a:blip>
+          <a:srcRect/>
+          <a:stretch>
+            <a:fillRect/>
+          </a:stretch>
+        </p:blipFill>
+        <p:spPr bwMode="auto">
           <a:xfrm>
-            <a:off x="838200" y="1401878"/>
-            <a:ext cx="10515600" cy="4351338"/>
-          </a:xfrm>
-        </p:spPr>
-        <p:txBody>
-          <a:bodyPr/>
-          <a:lstStyle/>
-          <a:p>
-            <a:r>
-              <a:rPr lang="en-US" dirty="0"/>
-              <a:t>Abstraction: Hiding complex code and showing only what it does. Others can understand what the code does intuitively.</a:t>
-            </a:r>
-            <a:endParaRPr lang="en-CA" dirty="0"/>
-          </a:p>
-        </p:txBody>
-      </p:sp>
-      <p:sp>
-        <p:nvSpPr>
-          <p:cNvPr id="24" name="Arrow: Right 23">
-            <a:extLst>
-              <a:ext uri="{FF2B5EF4-FFF2-40B4-BE49-F238E27FC236}">
-                <a16:creationId xmlns:a16="http://schemas.microsoft.com/office/drawing/2014/main" id="{B9FDDF38-D2B3-493B-96B8-318FEF76CCF7}"/>
-              </a:ext>
-            </a:extLst>
-          </p:cNvPr>
-          <p:cNvSpPr/>
-          <p:nvPr/>
-        </p:nvSpPr>
-        <p:spPr>
-          <a:xfrm>
-            <a:off x="4336062" y="4584045"/>
-            <a:ext cx="993080" cy="546410"/>
-          </a:xfrm>
-          <a:prstGeom prst="rightArrow">
-            <a:avLst/>
-          </a:prstGeom>
-        </p:spPr>
-        <p:style>
-          <a:lnRef idx="2">
-            <a:schemeClr val="accent1">
-              <a:shade val="50000"/>
-            </a:schemeClr>
-          </a:lnRef>
-          <a:fillRef idx="1">
-            <a:schemeClr val="accent1"/>
-          </a:fillRef>
-          <a:effectRef idx="0">
-            <a:schemeClr val="accent1"/>
-          </a:effectRef>
-          <a:fontRef idx="minor">
-            <a:schemeClr val="lt1"/>
-          </a:fontRef>
-        </p:style>
-        <p:txBody>
-          <a:bodyPr rtlCol="0" anchor="ctr"/>
-          <a:lstStyle/>
-          <a:p>
-            <a:pPr algn="ctr"/>
-            <a:endParaRPr lang="en-CA"/>
-          </a:p>
-        </p:txBody>
-      </p:sp>
-      <p:sp>
-        <p:nvSpPr>
-          <p:cNvPr id="7" name="TextBox 6">
-            <a:extLst>
-              <a:ext uri="{FF2B5EF4-FFF2-40B4-BE49-F238E27FC236}">
-                <a16:creationId xmlns:a16="http://schemas.microsoft.com/office/drawing/2014/main" id="{E611D87D-8554-441A-B547-6FD8FEF4530D}"/>
-              </a:ext>
-            </a:extLst>
-          </p:cNvPr>
-          <p:cNvSpPr txBox="1"/>
-          <p:nvPr/>
-        </p:nvSpPr>
-        <p:spPr>
-          <a:xfrm>
-            <a:off x="5513688" y="2464957"/>
-            <a:ext cx="6401176" cy="3416320"/>
+            <a:off x="343567" y="193833"/>
+            <a:ext cx="11504865" cy="6470333"/>
           </a:xfrm>
           <a:prstGeom prst="rect">
             <a:avLst/>
           </a:prstGeom>
+          <a:noFill/>
+          <a:ln>
+            <a:noFill/>
+          </a:ln>
         </p:spPr>
-        <p:style>
-          <a:lnRef idx="2">
-            <a:schemeClr val="dk1"/>
-          </a:lnRef>
-          <a:fillRef idx="1">
-            <a:schemeClr val="lt1"/>
-          </a:fillRef>
-          <a:effectRef idx="0">
-            <a:schemeClr val="dk1"/>
-          </a:effectRef>
-          <a:fontRef idx="minor">
-            <a:schemeClr val="dk1"/>
-          </a:fontRef>
-        </p:style>
-        <p:txBody>
-          <a:bodyPr wrap="none" rtlCol="0">
-            <a:spAutoFit/>
-          </a:bodyPr>
-          <a:lstStyle/>
-          <a:p>
-            <a:r>
-              <a:rPr lang="en-US" sz="2400" dirty="0"/>
-              <a:t>def main():</a:t>
-            </a:r>
-          </a:p>
-          <a:p>
-            <a:r>
-              <a:rPr lang="en-US" sz="2400" dirty="0">
-                <a:solidFill>
-                  <a:srgbClr val="0070C0"/>
-                </a:solidFill>
-              </a:rPr>
-              <a:t>   users = </a:t>
-            </a:r>
-            <a:r>
-              <a:rPr lang="en-US" sz="2400" dirty="0" err="1">
-                <a:solidFill>
-                  <a:srgbClr val="0070C0"/>
-                </a:solidFill>
-              </a:rPr>
-              <a:t>get_data_from</a:t>
-            </a:r>
-            <a:r>
-              <a:rPr lang="en-US" sz="2400" dirty="0">
-                <a:solidFill>
-                  <a:srgbClr val="0070C0"/>
-                </a:solidFill>
-              </a:rPr>
-              <a:t>(“user_list.xlsx”)</a:t>
-            </a:r>
-          </a:p>
-          <a:p>
-            <a:r>
-              <a:rPr lang="en-US" sz="2400" dirty="0">
-                <a:solidFill>
-                  <a:srgbClr val="0070C0"/>
-                </a:solidFill>
-              </a:rPr>
-              <a:t>   </a:t>
-            </a:r>
-            <a:r>
-              <a:rPr lang="en-US" sz="2400" dirty="0" err="1">
-                <a:solidFill>
-                  <a:srgbClr val="0070C0"/>
-                </a:solidFill>
-              </a:rPr>
-              <a:t>british_users</a:t>
-            </a:r>
-            <a:r>
-              <a:rPr lang="en-US" sz="2400" dirty="0">
-                <a:solidFill>
-                  <a:srgbClr val="0070C0"/>
-                </a:solidFill>
-              </a:rPr>
-              <a:t> = </a:t>
-            </a:r>
-            <a:r>
-              <a:rPr lang="en-US" sz="2400" dirty="0" err="1">
-                <a:solidFill>
-                  <a:srgbClr val="0070C0"/>
-                </a:solidFill>
-              </a:rPr>
-              <a:t>filter_british_users</a:t>
-            </a:r>
-            <a:r>
-              <a:rPr lang="en-US" sz="2400" dirty="0">
-                <a:solidFill>
-                  <a:srgbClr val="0070C0"/>
-                </a:solidFill>
-              </a:rPr>
-              <a:t>(users)</a:t>
-            </a:r>
-          </a:p>
-          <a:p>
-            <a:r>
-              <a:rPr lang="en-US" sz="2400" dirty="0">
-                <a:solidFill>
-                  <a:srgbClr val="0070C0"/>
-                </a:solidFill>
-              </a:rPr>
-              <a:t>   </a:t>
-            </a:r>
-            <a:r>
-              <a:rPr lang="en-US" sz="2400" dirty="0" err="1">
-                <a:solidFill>
-                  <a:srgbClr val="0070C0"/>
-                </a:solidFill>
-              </a:rPr>
-              <a:t>save_data</a:t>
-            </a:r>
-            <a:r>
-              <a:rPr lang="en-US" sz="2400" dirty="0">
-                <a:solidFill>
-                  <a:srgbClr val="0070C0"/>
-                </a:solidFill>
-              </a:rPr>
-              <a:t>(</a:t>
-            </a:r>
-            <a:r>
-              <a:rPr lang="en-US" sz="2400" dirty="0" err="1">
-                <a:solidFill>
-                  <a:srgbClr val="0070C0"/>
-                </a:solidFill>
-              </a:rPr>
-              <a:t>british_users</a:t>
-            </a:r>
-            <a:r>
-              <a:rPr lang="en-US" sz="2400" dirty="0">
-                <a:solidFill>
-                  <a:srgbClr val="0070C0"/>
-                </a:solidFill>
-              </a:rPr>
-              <a:t>, “british_user_list.xlsx”)</a:t>
-            </a:r>
-          </a:p>
-          <a:p>
-            <a:endParaRPr lang="en-US" sz="2400" dirty="0"/>
-          </a:p>
-          <a:p>
-            <a:r>
-              <a:rPr lang="en-US" sz="2400" dirty="0"/>
-              <a:t>def </a:t>
-            </a:r>
-            <a:r>
-              <a:rPr lang="en-US" sz="2400" dirty="0" err="1"/>
-              <a:t>get_data_from</a:t>
-            </a:r>
-            <a:r>
-              <a:rPr lang="en-US" sz="2400" dirty="0"/>
-              <a:t>(file):</a:t>
-            </a:r>
-          </a:p>
-          <a:p>
-            <a:r>
-              <a:rPr lang="en-US" sz="2400" dirty="0"/>
-              <a:t>   …</a:t>
-            </a:r>
-          </a:p>
-          <a:p>
-            <a:endParaRPr lang="en-US" sz="2400" dirty="0"/>
-          </a:p>
-          <a:p>
-            <a:r>
-              <a:rPr lang="en-US" sz="2400" dirty="0"/>
-              <a:t>…</a:t>
-            </a:r>
-          </a:p>
-        </p:txBody>
-      </p:sp>
-      <p:sp>
-        <p:nvSpPr>
-          <p:cNvPr id="8" name="TextBox 7">
-            <a:extLst>
-              <a:ext uri="{FF2B5EF4-FFF2-40B4-BE49-F238E27FC236}">
-                <a16:creationId xmlns:a16="http://schemas.microsoft.com/office/drawing/2014/main" id="{F5D89586-0D8F-4023-91EF-60D227998CAE}"/>
-              </a:ext>
-            </a:extLst>
-          </p:cNvPr>
-          <p:cNvSpPr txBox="1"/>
-          <p:nvPr/>
-        </p:nvSpPr>
-        <p:spPr>
-          <a:xfrm>
-            <a:off x="838199" y="2460387"/>
-            <a:ext cx="2936799" cy="4154984"/>
-          </a:xfrm>
-          <a:prstGeom prst="rect">
-            <a:avLst/>
-          </a:prstGeom>
-        </p:spPr>
-        <p:style>
-          <a:lnRef idx="2">
-            <a:schemeClr val="dk1"/>
-          </a:lnRef>
-          <a:fillRef idx="1">
-            <a:schemeClr val="lt1"/>
-          </a:fillRef>
-          <a:effectRef idx="0">
-            <a:schemeClr val="dk1"/>
-          </a:effectRef>
-          <a:fontRef idx="minor">
-            <a:schemeClr val="dk1"/>
-          </a:fontRef>
-        </p:style>
-        <p:txBody>
-          <a:bodyPr wrap="square" rtlCol="0">
-            <a:spAutoFit/>
-          </a:bodyPr>
-          <a:lstStyle/>
-          <a:p>
-            <a:r>
-              <a:rPr lang="en-US" sz="2400" dirty="0"/>
-              <a:t>def main():</a:t>
-            </a:r>
-          </a:p>
-          <a:p>
-            <a:r>
-              <a:rPr lang="en-US" sz="2400" dirty="0"/>
-              <a:t>   …</a:t>
-            </a:r>
-          </a:p>
-          <a:p>
-            <a:r>
-              <a:rPr lang="en-US" sz="2400" dirty="0"/>
-              <a:t>   …</a:t>
-            </a:r>
-          </a:p>
-          <a:p>
-            <a:r>
-              <a:rPr lang="en-US" sz="2400" dirty="0"/>
-              <a:t>   …</a:t>
-            </a:r>
-          </a:p>
-          <a:p>
-            <a:r>
-              <a:rPr lang="en-US" sz="2400" dirty="0"/>
-              <a:t>   …</a:t>
-            </a:r>
-          </a:p>
-          <a:p>
-            <a:r>
-              <a:rPr lang="en-US" sz="2400" dirty="0"/>
-              <a:t>   …</a:t>
-            </a:r>
-          </a:p>
-          <a:p>
-            <a:r>
-              <a:rPr lang="en-US" sz="2400" dirty="0"/>
-              <a:t>   …</a:t>
-            </a:r>
-          </a:p>
-          <a:p>
-            <a:r>
-              <a:rPr lang="en-US" sz="2400" dirty="0"/>
-              <a:t>   …</a:t>
-            </a:r>
-          </a:p>
-          <a:p>
-            <a:r>
-              <a:rPr lang="en-US" sz="2400" dirty="0"/>
-              <a:t>   …</a:t>
-            </a:r>
-          </a:p>
-          <a:p>
-            <a:r>
-              <a:rPr lang="en-US" sz="2400" dirty="0"/>
-              <a:t>   …</a:t>
-            </a:r>
-          </a:p>
-          <a:p>
-            <a:r>
-              <a:rPr lang="en-US" sz="2400" dirty="0"/>
-              <a:t>   …</a:t>
-            </a:r>
-          </a:p>
-        </p:txBody>
-      </p:sp>
+      </p:pic>
     </p:spTree>
     <p:extLst>
       <p:ext uri="{BB962C8B-B14F-4D97-AF65-F5344CB8AC3E}">
-        <p14:creationId xmlns:p14="http://schemas.microsoft.com/office/powerpoint/2010/main" val="862175698"/>
+        <p14:creationId xmlns:p14="http://schemas.microsoft.com/office/powerpoint/2010/main" val="3884003801"/>
       </p:ext>
     </p:extLst>
   </p:cSld>
@@ -7676,7 +7377,7 @@
           <a:p>
             <a:r>
               <a:rPr lang="en-US" dirty="0"/>
-              <a:t>Clean Code Technique</a:t>
+              <a:t>Clean Code</a:t>
             </a:r>
             <a:endParaRPr lang="en-CA" dirty="0"/>
           </a:p>
@@ -7710,16 +7411,140 @@
           <a:p>
             <a:r>
               <a:rPr lang="en-US" dirty="0"/>
-              <a:t>Comments: explains what each methods do, complex code, or caution about bugs or issues</a:t>
+              <a:t>Making code readable so that even a 5-year-old child can understand.</a:t>
+            </a:r>
+          </a:p>
+          <a:p>
+            <a:r>
+              <a:rPr lang="en-US" dirty="0"/>
+              <a:t>To reduce the time to understand the code for teammates and future me.</a:t>
             </a:r>
             <a:endParaRPr lang="en-CA" dirty="0"/>
+          </a:p>
+        </p:txBody>
+      </p:sp>
+      <p:pic>
+        <p:nvPicPr>
+          <p:cNvPr id="6" name="Picture 5" descr="Text&#10;&#10;Description automatically generated">
+            <a:extLst>
+              <a:ext uri="{FF2B5EF4-FFF2-40B4-BE49-F238E27FC236}">
+                <a16:creationId xmlns:a16="http://schemas.microsoft.com/office/drawing/2014/main" id="{BDC7DD0A-169B-4C4D-8F5E-CE68C0C77814}"/>
+              </a:ext>
+            </a:extLst>
+          </p:cNvPr>
+          <p:cNvPicPr>
+            <a:picLocks noChangeAspect="1"/>
+          </p:cNvPicPr>
+          <p:nvPr/>
+        </p:nvPicPr>
+        <p:blipFill>
+          <a:blip r:embed="rId3">
+            <a:extLst>
+              <a:ext uri="{28A0092B-C50C-407E-A947-70E740481C1C}">
+                <a14:useLocalDpi xmlns:a14="http://schemas.microsoft.com/office/drawing/2010/main" val="0"/>
+              </a:ext>
+            </a:extLst>
+          </a:blip>
+          <a:stretch>
+            <a:fillRect/>
+          </a:stretch>
+        </p:blipFill>
+        <p:spPr>
+          <a:xfrm>
+            <a:off x="459379" y="3030583"/>
+            <a:ext cx="4809310" cy="3462292"/>
+          </a:xfrm>
+          <a:prstGeom prst="rect">
+            <a:avLst/>
+          </a:prstGeom>
+        </p:spPr>
+      </p:pic>
+      <p:pic>
+        <p:nvPicPr>
+          <p:cNvPr id="23" name="Picture 22" descr="A person reading a book&#10;&#10;Description automatically generated with medium confidence">
+            <a:extLst>
+              <a:ext uri="{FF2B5EF4-FFF2-40B4-BE49-F238E27FC236}">
+                <a16:creationId xmlns:a16="http://schemas.microsoft.com/office/drawing/2014/main" id="{234976B3-F0B4-4283-9AC0-6627CDE0165A}"/>
+              </a:ext>
+            </a:extLst>
+          </p:cNvPr>
+          <p:cNvPicPr>
+            <a:picLocks noChangeAspect="1"/>
+          </p:cNvPicPr>
+          <p:nvPr/>
+        </p:nvPicPr>
+        <p:blipFill>
+          <a:blip r:embed="rId4">
+            <a:extLst>
+              <a:ext uri="{28A0092B-C50C-407E-A947-70E740481C1C}">
+                <a14:useLocalDpi xmlns:a14="http://schemas.microsoft.com/office/drawing/2010/main" val="0"/>
+              </a:ext>
+            </a:extLst>
+          </a:blip>
+          <a:stretch>
+            <a:fillRect/>
+          </a:stretch>
+        </p:blipFill>
+        <p:spPr>
+          <a:xfrm>
+            <a:off x="6923313" y="3030583"/>
+            <a:ext cx="5055555" cy="3462292"/>
+          </a:xfrm>
+          <a:prstGeom prst="rect">
+            <a:avLst/>
+          </a:prstGeom>
+        </p:spPr>
+      </p:pic>
+      <p:sp>
+        <p:nvSpPr>
+          <p:cNvPr id="24" name="Arrow: Right 23">
+            <a:extLst>
+              <a:ext uri="{FF2B5EF4-FFF2-40B4-BE49-F238E27FC236}">
+                <a16:creationId xmlns:a16="http://schemas.microsoft.com/office/drawing/2014/main" id="{B9FDDF38-D2B3-493B-96B8-318FEF76CCF7}"/>
+              </a:ext>
+            </a:extLst>
+          </p:cNvPr>
+          <p:cNvSpPr/>
+          <p:nvPr/>
+        </p:nvSpPr>
+        <p:spPr>
+          <a:xfrm>
+            <a:off x="5599460" y="4488524"/>
+            <a:ext cx="993080" cy="546410"/>
+          </a:xfrm>
+          <a:prstGeom prst="rightArrow">
+            <a:avLst/>
+          </a:prstGeom>
+        </p:spPr>
+        <p:style>
+          <a:lnRef idx="2">
+            <a:schemeClr val="accent1">
+              <a:shade val="50000"/>
+            </a:schemeClr>
+          </a:lnRef>
+          <a:fillRef idx="1">
+            <a:schemeClr val="accent1"/>
+          </a:fillRef>
+          <a:effectRef idx="0">
+            <a:schemeClr val="accent1"/>
+          </a:effectRef>
+          <a:fontRef idx="minor">
+            <a:schemeClr val="lt1"/>
+          </a:fontRef>
+        </p:style>
+        <p:txBody>
+          <a:bodyPr rtlCol="0" anchor="ctr"/>
+          <a:lstStyle/>
+          <a:p>
+            <a:pPr algn="ctr"/>
+            <a:endParaRPr lang="en-CA"/>
           </a:p>
         </p:txBody>
       </p:sp>
     </p:spTree>
     <p:extLst>
       <p:ext uri="{BB962C8B-B14F-4D97-AF65-F5344CB8AC3E}">
-        <p14:creationId xmlns:p14="http://schemas.microsoft.com/office/powerpoint/2010/main" val="2103968254"/>
+        <p14:creationId xmlns:p14="http://schemas.microsoft.com/office/powerpoint/2010/main" val="3160718365"/>
       </p:ext>
     </p:extLst>
   </p:cSld>
@@ -7769,7 +7594,7 @@
           <a:p>
             <a:r>
               <a:rPr lang="en-US" dirty="0"/>
-              <a:t>Code Review</a:t>
+              <a:t>Clean Code Technique</a:t>
             </a:r>
             <a:endParaRPr lang="en-CA" dirty="0"/>
           </a:p>
@@ -7803,50 +7628,352 @@
           <a:p>
             <a:r>
               <a:rPr lang="en-US" dirty="0"/>
-              <a:t>A software quality assurance activity in which one or several people check a program mainly by viewing and reading parts of its source code</a:t>
-            </a:r>
-          </a:p>
-          <a:p>
-            <a:r>
-              <a:rPr lang="en-US" dirty="0"/>
-              <a:t>Share knowledge and teach each other to upgrade skills</a:t>
+              <a:t>Abstraction: Hiding complex code and showing only what it does. Others can understand what the code does intuitively.</a:t>
             </a:r>
             <a:endParaRPr lang="en-CA" dirty="0"/>
           </a:p>
-          <a:p>
-            <a:endParaRPr lang="en-US" dirty="0"/>
-          </a:p>
-          <a:p>
-            <a:endParaRPr lang="en-US" dirty="0"/>
-          </a:p>
-          <a:p>
-            <a:pPr marL="514350" indent="-514350">
-              <a:buFont typeface="+mj-lt"/>
-              <a:buAutoNum type="arabicPeriod"/>
-            </a:pPr>
-            <a:r>
-              <a:rPr lang="en-US" dirty="0"/>
-              <a:t>Clean Code: check readability</a:t>
-            </a:r>
-          </a:p>
-          <a:p>
-            <a:pPr marL="514350" indent="-514350">
-              <a:buFont typeface="+mj-lt"/>
-              <a:buAutoNum type="arabicPeriod"/>
-            </a:pPr>
-            <a:r>
-              <a:rPr lang="en-US" dirty="0"/>
-              <a:t>Possible Optimizations: check if there’s any duplicated code or bugs</a:t>
-            </a:r>
-          </a:p>
-          <a:p>
-            <a:pPr marL="514350" indent="-514350">
-              <a:buFont typeface="+mj-lt"/>
-              <a:buAutoNum type="arabicPeriod"/>
-            </a:pPr>
-            <a:r>
-              <a:rPr lang="en-US" dirty="0"/>
-              <a:t>Keep in track with the requirements</a:t>
+        </p:txBody>
+      </p:sp>
+      <p:sp>
+        <p:nvSpPr>
+          <p:cNvPr id="24" name="Arrow: Right 23">
+            <a:extLst>
+              <a:ext uri="{FF2B5EF4-FFF2-40B4-BE49-F238E27FC236}">
+                <a16:creationId xmlns:a16="http://schemas.microsoft.com/office/drawing/2014/main" id="{B9FDDF38-D2B3-493B-96B8-318FEF76CCF7}"/>
+              </a:ext>
+            </a:extLst>
+          </p:cNvPr>
+          <p:cNvSpPr/>
+          <p:nvPr/>
+        </p:nvSpPr>
+        <p:spPr>
+          <a:xfrm>
+            <a:off x="4336062" y="4584045"/>
+            <a:ext cx="993080" cy="546410"/>
+          </a:xfrm>
+          <a:prstGeom prst="rightArrow">
+            <a:avLst/>
+          </a:prstGeom>
+        </p:spPr>
+        <p:style>
+          <a:lnRef idx="2">
+            <a:schemeClr val="accent1">
+              <a:shade val="50000"/>
+            </a:schemeClr>
+          </a:lnRef>
+          <a:fillRef idx="1">
+            <a:schemeClr val="accent1"/>
+          </a:fillRef>
+          <a:effectRef idx="0">
+            <a:schemeClr val="accent1"/>
+          </a:effectRef>
+          <a:fontRef idx="minor">
+            <a:schemeClr val="lt1"/>
+          </a:fontRef>
+        </p:style>
+        <p:txBody>
+          <a:bodyPr rtlCol="0" anchor="ctr"/>
+          <a:lstStyle/>
+          <a:p>
+            <a:pPr algn="ctr"/>
+            <a:endParaRPr lang="en-CA"/>
+          </a:p>
+        </p:txBody>
+      </p:sp>
+      <p:sp>
+        <p:nvSpPr>
+          <p:cNvPr id="7" name="TextBox 6">
+            <a:extLst>
+              <a:ext uri="{FF2B5EF4-FFF2-40B4-BE49-F238E27FC236}">
+                <a16:creationId xmlns:a16="http://schemas.microsoft.com/office/drawing/2014/main" id="{E611D87D-8554-441A-B547-6FD8FEF4530D}"/>
+              </a:ext>
+            </a:extLst>
+          </p:cNvPr>
+          <p:cNvSpPr txBox="1"/>
+          <p:nvPr/>
+        </p:nvSpPr>
+        <p:spPr>
+          <a:xfrm>
+            <a:off x="5513688" y="2464957"/>
+            <a:ext cx="6401176" cy="3416320"/>
+          </a:xfrm>
+          <a:prstGeom prst="rect">
+            <a:avLst/>
+          </a:prstGeom>
+        </p:spPr>
+        <p:style>
+          <a:lnRef idx="2">
+            <a:schemeClr val="dk1"/>
+          </a:lnRef>
+          <a:fillRef idx="1">
+            <a:schemeClr val="lt1"/>
+          </a:fillRef>
+          <a:effectRef idx="0">
+            <a:schemeClr val="dk1"/>
+          </a:effectRef>
+          <a:fontRef idx="minor">
+            <a:schemeClr val="dk1"/>
+          </a:fontRef>
+        </p:style>
+        <p:txBody>
+          <a:bodyPr wrap="none" rtlCol="0">
+            <a:spAutoFit/>
+          </a:bodyPr>
+          <a:lstStyle/>
+          <a:p>
+            <a:r>
+              <a:rPr lang="en-US" sz="2400" dirty="0"/>
+              <a:t>def main():</a:t>
+            </a:r>
+          </a:p>
+          <a:p>
+            <a:r>
+              <a:rPr lang="en-US" sz="2400" dirty="0">
+                <a:solidFill>
+                  <a:srgbClr val="0070C0"/>
+                </a:solidFill>
+              </a:rPr>
+              <a:t>   users = </a:t>
+            </a:r>
+            <a:r>
+              <a:rPr lang="en-US" sz="2400" dirty="0" err="1">
+                <a:solidFill>
+                  <a:srgbClr val="0070C0"/>
+                </a:solidFill>
+              </a:rPr>
+              <a:t>get_data_from</a:t>
+            </a:r>
+            <a:r>
+              <a:rPr lang="en-US" sz="2400" dirty="0">
+                <a:solidFill>
+                  <a:srgbClr val="0070C0"/>
+                </a:solidFill>
+              </a:rPr>
+              <a:t>(“user_list.xlsx”)</a:t>
+            </a:r>
+          </a:p>
+          <a:p>
+            <a:r>
+              <a:rPr lang="en-US" sz="2400" dirty="0">
+                <a:solidFill>
+                  <a:srgbClr val="0070C0"/>
+                </a:solidFill>
+              </a:rPr>
+              <a:t>   </a:t>
+            </a:r>
+            <a:r>
+              <a:rPr lang="en-US" sz="2400" dirty="0" err="1">
+                <a:solidFill>
+                  <a:srgbClr val="0070C0"/>
+                </a:solidFill>
+              </a:rPr>
+              <a:t>british_users</a:t>
+            </a:r>
+            <a:r>
+              <a:rPr lang="en-US" sz="2400" dirty="0">
+                <a:solidFill>
+                  <a:srgbClr val="0070C0"/>
+                </a:solidFill>
+              </a:rPr>
+              <a:t> = </a:t>
+            </a:r>
+            <a:r>
+              <a:rPr lang="en-US" sz="2400" dirty="0" err="1">
+                <a:solidFill>
+                  <a:srgbClr val="0070C0"/>
+                </a:solidFill>
+              </a:rPr>
+              <a:t>filter_british_users</a:t>
+            </a:r>
+            <a:r>
+              <a:rPr lang="en-US" sz="2400" dirty="0">
+                <a:solidFill>
+                  <a:srgbClr val="0070C0"/>
+                </a:solidFill>
+              </a:rPr>
+              <a:t>(users)</a:t>
+            </a:r>
+          </a:p>
+          <a:p>
+            <a:r>
+              <a:rPr lang="en-US" sz="2400" dirty="0">
+                <a:solidFill>
+                  <a:srgbClr val="0070C0"/>
+                </a:solidFill>
+              </a:rPr>
+              <a:t>   </a:t>
+            </a:r>
+            <a:r>
+              <a:rPr lang="en-US" sz="2400" dirty="0" err="1">
+                <a:solidFill>
+                  <a:srgbClr val="0070C0"/>
+                </a:solidFill>
+              </a:rPr>
+              <a:t>save_data</a:t>
+            </a:r>
+            <a:r>
+              <a:rPr lang="en-US" sz="2400" dirty="0">
+                <a:solidFill>
+                  <a:srgbClr val="0070C0"/>
+                </a:solidFill>
+              </a:rPr>
+              <a:t>(</a:t>
+            </a:r>
+            <a:r>
+              <a:rPr lang="en-US" sz="2400" dirty="0" err="1">
+                <a:solidFill>
+                  <a:srgbClr val="0070C0"/>
+                </a:solidFill>
+              </a:rPr>
+              <a:t>british_users</a:t>
+            </a:r>
+            <a:r>
+              <a:rPr lang="en-US" sz="2400" dirty="0">
+                <a:solidFill>
+                  <a:srgbClr val="0070C0"/>
+                </a:solidFill>
+              </a:rPr>
+              <a:t>, “british_user_list.xlsx”)</a:t>
+            </a:r>
+          </a:p>
+          <a:p>
+            <a:endParaRPr lang="en-US" sz="2400" dirty="0"/>
+          </a:p>
+          <a:p>
+            <a:r>
+              <a:rPr lang="en-US" sz="2400" dirty="0"/>
+              <a:t>def </a:t>
+            </a:r>
+            <a:r>
+              <a:rPr lang="en-US" sz="2400" dirty="0" err="1"/>
+              <a:t>get_data_from</a:t>
+            </a:r>
+            <a:r>
+              <a:rPr lang="en-US" sz="2400" dirty="0"/>
+              <a:t>(file):</a:t>
+            </a:r>
+          </a:p>
+          <a:p>
+            <a:r>
+              <a:rPr lang="en-US" sz="2400" dirty="0"/>
+              <a:t>   …</a:t>
+            </a:r>
+          </a:p>
+          <a:p>
+            <a:endParaRPr lang="en-US" sz="2400" dirty="0"/>
+          </a:p>
+          <a:p>
+            <a:r>
+              <a:rPr lang="en-US" sz="2400" dirty="0"/>
+              <a:t>…</a:t>
+            </a:r>
+          </a:p>
+        </p:txBody>
+      </p:sp>
+      <p:sp>
+        <p:nvSpPr>
+          <p:cNvPr id="8" name="TextBox 7">
+            <a:extLst>
+              <a:ext uri="{FF2B5EF4-FFF2-40B4-BE49-F238E27FC236}">
+                <a16:creationId xmlns:a16="http://schemas.microsoft.com/office/drawing/2014/main" id="{F5D89586-0D8F-4023-91EF-60D227998CAE}"/>
+              </a:ext>
+            </a:extLst>
+          </p:cNvPr>
+          <p:cNvSpPr txBox="1"/>
+          <p:nvPr/>
+        </p:nvSpPr>
+        <p:spPr>
+          <a:xfrm>
+            <a:off x="838199" y="2460387"/>
+            <a:ext cx="2936799" cy="4154984"/>
+          </a:xfrm>
+          <a:prstGeom prst="rect">
+            <a:avLst/>
+          </a:prstGeom>
+        </p:spPr>
+        <p:style>
+          <a:lnRef idx="2">
+            <a:schemeClr val="dk1"/>
+          </a:lnRef>
+          <a:fillRef idx="1">
+            <a:schemeClr val="lt1"/>
+          </a:fillRef>
+          <a:effectRef idx="0">
+            <a:schemeClr val="dk1"/>
+          </a:effectRef>
+          <a:fontRef idx="minor">
+            <a:schemeClr val="dk1"/>
+          </a:fontRef>
+        </p:style>
+        <p:txBody>
+          <a:bodyPr wrap="square" rtlCol="0">
+            <a:spAutoFit/>
+          </a:bodyPr>
+          <a:lstStyle/>
+          <a:p>
+            <a:r>
+              <a:rPr lang="en-US" sz="2400" dirty="0"/>
+              <a:t>def main():</a:t>
+            </a:r>
+          </a:p>
+          <a:p>
+            <a:r>
+              <a:rPr lang="en-US" sz="2400" dirty="0"/>
+              <a:t>   …</a:t>
+            </a:r>
+          </a:p>
+          <a:p>
+            <a:r>
+              <a:rPr lang="en-US" sz="2400" dirty="0"/>
+              <a:t>   …</a:t>
+            </a:r>
+          </a:p>
+          <a:p>
+            <a:r>
+              <a:rPr lang="en-US" sz="2400" dirty="0"/>
+              <a:t>   …</a:t>
+            </a:r>
+          </a:p>
+          <a:p>
+            <a:r>
+              <a:rPr lang="en-US" sz="2400" dirty="0"/>
+              <a:t>   …</a:t>
+            </a:r>
+          </a:p>
+          <a:p>
+            <a:r>
+              <a:rPr lang="en-US" sz="2400" dirty="0"/>
+              <a:t>   …</a:t>
+            </a:r>
+          </a:p>
+          <a:p>
+            <a:r>
+              <a:rPr lang="en-US" sz="2400" dirty="0"/>
+              <a:t>   …</a:t>
+            </a:r>
+          </a:p>
+          <a:p>
+            <a:r>
+              <a:rPr lang="en-US" sz="2400" dirty="0"/>
+              <a:t>   …</a:t>
+            </a:r>
+          </a:p>
+          <a:p>
+            <a:r>
+              <a:rPr lang="en-US" sz="2400" dirty="0"/>
+              <a:t>   …</a:t>
+            </a:r>
+          </a:p>
+          <a:p>
+            <a:r>
+              <a:rPr lang="en-US" sz="2400" dirty="0"/>
+              <a:t>   …</a:t>
+            </a:r>
+          </a:p>
+          <a:p>
+            <a:r>
+              <a:rPr lang="en-US" sz="2400" dirty="0"/>
+              <a:t>   …</a:t>
             </a:r>
           </a:p>
         </p:txBody>
@@ -7854,7 +7981,100 @@
     </p:spTree>
     <p:extLst>
       <p:ext uri="{BB962C8B-B14F-4D97-AF65-F5344CB8AC3E}">
-        <p14:creationId xmlns:p14="http://schemas.microsoft.com/office/powerpoint/2010/main" val="3496519291"/>
+        <p14:creationId xmlns:p14="http://schemas.microsoft.com/office/powerpoint/2010/main" val="862175698"/>
+      </p:ext>
+    </p:extLst>
+  </p:cSld>
+  <p:clrMapOvr>
+    <a:masterClrMapping/>
+  </p:clrMapOvr>
+</p:sld>
+</file>
+
+<file path=ppt/slides/slide9.xml><?xml version="1.0" encoding="utf-8"?>
+<p:sld xmlns:a="http://schemas.openxmlformats.org/drawingml/2006/main" xmlns:r="http://schemas.openxmlformats.org/officeDocument/2006/relationships" xmlns:p="http://schemas.openxmlformats.org/presentationml/2006/main">
+  <p:cSld>
+    <p:spTree>
+      <p:nvGrpSpPr>
+        <p:cNvPr id="1" name=""/>
+        <p:cNvGrpSpPr/>
+        <p:nvPr/>
+      </p:nvGrpSpPr>
+      <p:grpSpPr>
+        <a:xfrm>
+          <a:off x="0" y="0"/>
+          <a:ext cx="0" cy="0"/>
+          <a:chOff x="0" y="0"/>
+          <a:chExt cx="0" cy="0"/>
+        </a:xfrm>
+      </p:grpSpPr>
+      <p:sp>
+        <p:nvSpPr>
+          <p:cNvPr id="2" name="Title 1">
+            <a:extLst>
+              <a:ext uri="{FF2B5EF4-FFF2-40B4-BE49-F238E27FC236}">
+                <a16:creationId xmlns:a16="http://schemas.microsoft.com/office/drawing/2014/main" id="{7267BDE2-FD0B-4CA2-8845-6B1F2921AE24}"/>
+              </a:ext>
+            </a:extLst>
+          </p:cNvPr>
+          <p:cNvSpPr>
+            <a:spLocks noGrp="1"/>
+          </p:cNvSpPr>
+          <p:nvPr>
+            <p:ph type="title"/>
+          </p:nvPr>
+        </p:nvSpPr>
+        <p:spPr/>
+        <p:txBody>
+          <a:bodyPr/>
+          <a:lstStyle/>
+          <a:p>
+            <a:r>
+              <a:rPr lang="en-US" dirty="0"/>
+              <a:t>Clean Code Technique</a:t>
+            </a:r>
+            <a:endParaRPr lang="en-CA" dirty="0"/>
+          </a:p>
+        </p:txBody>
+      </p:sp>
+      <p:sp>
+        <p:nvSpPr>
+          <p:cNvPr id="3" name="Content Placeholder 2">
+            <a:extLst>
+              <a:ext uri="{FF2B5EF4-FFF2-40B4-BE49-F238E27FC236}">
+                <a16:creationId xmlns:a16="http://schemas.microsoft.com/office/drawing/2014/main" id="{1ECC68C4-44BB-481E-B65C-33DCA37529FB}"/>
+              </a:ext>
+            </a:extLst>
+          </p:cNvPr>
+          <p:cNvSpPr>
+            <a:spLocks noGrp="1"/>
+          </p:cNvSpPr>
+          <p:nvPr>
+            <p:ph idx="1"/>
+          </p:nvPr>
+        </p:nvSpPr>
+        <p:spPr>
+          <a:xfrm>
+            <a:off x="838200" y="1401878"/>
+            <a:ext cx="10515600" cy="4351338"/>
+          </a:xfrm>
+        </p:spPr>
+        <p:txBody>
+          <a:bodyPr/>
+          <a:lstStyle/>
+          <a:p>
+            <a:r>
+              <a:rPr lang="en-US" dirty="0"/>
+              <a:t>Comments: explains what each methods do, complex code, or caution about bugs or issues</a:t>
+            </a:r>
+            <a:endParaRPr lang="en-CA" dirty="0"/>
+          </a:p>
+        </p:txBody>
+      </p:sp>
+    </p:spTree>
+    <p:extLst>
+      <p:ext uri="{BB962C8B-B14F-4D97-AF65-F5344CB8AC3E}">
+        <p14:creationId xmlns:p14="http://schemas.microsoft.com/office/powerpoint/2010/main" val="2103968254"/>
       </p:ext>
     </p:extLst>
   </p:cSld>
